--- a/fall13/slidesF13/prepcheck.11-1.pptx
+++ b/fall13/slidesF13/prepcheck.11-1.pptx
@@ -1377,13 +1377,7 @@
               <a:rPr lang="en-US" sz="1100" dirty="0" smtClean="0">
                 <a:latin typeface="Comic Sans MS" pitchFamily="66" charset="0"/>
               </a:rPr>
-              <a:t> </a:t>
-            </a:r>
-            <a:r>
-              <a:rPr lang="en-US" sz="1100" dirty="0" smtClean="0">
-                <a:latin typeface="Comic Sans MS" pitchFamily="66" charset="0"/>
-              </a:rPr>
-              <a:t>2013</a:t>
+              <a:t> 2013</a:t>
             </a:r>
             <a:endParaRPr lang="en-US" sz="1100" dirty="0">
               <a:latin typeface="Comic Sans MS" pitchFamily="66" charset="0"/>
@@ -1875,15 +1869,7 @@
                   <a:schemeClr val="tx1"/>
                 </a:solidFill>
               </a:rPr>
-              <a:t>Preparation check, </a:t>
-            </a:r>
-            <a:r>
-              <a:rPr lang="en-US" sz="3600" dirty="0" smtClean="0">
-                <a:solidFill>
-                  <a:schemeClr val="tx1"/>
-                </a:solidFill>
-              </a:rPr>
-              <a:t>Nov. </a:t>
+              <a:t>Preparation check, Nov. </a:t>
             </a:r>
             <a:r>
               <a:rPr lang="en-US" sz="3600" dirty="0">
@@ -1893,11 +1879,6 @@
               </a:rPr>
               <a:t>1</a:t>
             </a:r>
-            <a:endParaRPr lang="en-US" sz="3600" dirty="0">
-              <a:solidFill>
-                <a:schemeClr val="tx1"/>
-              </a:solidFill>
-            </a:endParaRPr>
           </a:p>
         </p:txBody>
       </p:sp>
@@ -1938,8 +1919,8 @@
         </p:nvSpPr>
         <p:spPr>
           <a:xfrm>
-            <a:off x="284813" y="1334338"/>
-            <a:ext cx="8583900" cy="2164695"/>
+            <a:off x="298924" y="1334338"/>
+            <a:ext cx="8583900" cy="4257576"/>
           </a:xfrm>
           <a:prstGeom prst="rect">
             <a:avLst/>
@@ -1952,31 +1933,16 @@
           </a:bodyPr>
           <a:lstStyle/>
           <a:p>
-            <a:pPr algn="l"/>
-            <a:r>
-              <a:rPr lang="en-US" sz="4000" dirty="0" smtClean="0">
-                <a:latin typeface="Comic Sans MS" pitchFamily="66" charset="0"/>
-              </a:rPr>
-              <a:t>1. </a:t>
-            </a:r>
-            <a:r>
-              <a:rPr lang="en-US" sz="4000" dirty="0" smtClean="0">
-                <a:latin typeface="Comic Sans MS" pitchFamily="66" charset="0"/>
-              </a:rPr>
-              <a:t>Indicate which implications</a:t>
-            </a:r>
-          </a:p>
-          <a:p>
             <a:pPr algn="l">
               <a:lnSpc>
                 <a:spcPct val="120000"/>
               </a:lnSpc>
             </a:pPr>
             <a:r>
-              <a:rPr lang="en-US" sz="4000" dirty="0" smtClean="0">
+              <a:rPr lang="en-US" sz="4000" dirty="0">
                 <a:latin typeface="Comic Sans MS" pitchFamily="66" charset="0"/>
               </a:rPr>
-              <a:t>hold among asymptotic equality (~),</a:t>
+              <a:t>1.  What asymptotic relations hold</a:t>
             </a:r>
           </a:p>
           <a:p>
@@ -1986,14 +1952,121 @@
               </a:lnSpc>
             </a:pPr>
             <a:r>
+              <a:rPr lang="en-US" sz="4000" dirty="0">
+                <a:latin typeface="Comic Sans MS" pitchFamily="66" charset="0"/>
+              </a:rPr>
+              <a:t>between </a:t>
+            </a:r>
+            <a:r>
+              <a:rPr lang="en-US" sz="4000" dirty="0">
+                <a:solidFill>
+                  <a:srgbClr val="0000FF"/>
+                </a:solidFill>
+                <a:latin typeface="Comic Sans MS" pitchFamily="66" charset="0"/>
+              </a:rPr>
+              <a:t>2</a:t>
+            </a:r>
+            <a:r>
+              <a:rPr lang="en-US" sz="4000" baseline="30000" dirty="0">
+                <a:solidFill>
+                  <a:srgbClr val="0000FF"/>
+                </a:solidFill>
+                <a:latin typeface="Comic Sans MS" pitchFamily="66" charset="0"/>
+              </a:rPr>
+              <a:t>n</a:t>
+            </a:r>
+            <a:r>
+              <a:rPr lang="en-US" sz="4000" dirty="0">
+                <a:solidFill>
+                  <a:srgbClr val="0000FF"/>
+                </a:solidFill>
+                <a:latin typeface="Comic Sans MS" pitchFamily="66" charset="0"/>
+              </a:rPr>
+              <a:t> </a:t>
+            </a:r>
+            <a:r>
+              <a:rPr lang="en-US" sz="4000" dirty="0">
+                <a:latin typeface="Comic Sans MS" pitchFamily="66" charset="0"/>
+              </a:rPr>
+              <a:t>and </a:t>
+            </a:r>
+            <a:r>
+              <a:rPr lang="en-US" sz="4000" dirty="0">
+                <a:solidFill>
+                  <a:srgbClr val="0000FF"/>
+                </a:solidFill>
+                <a:latin typeface="Comic Sans MS" pitchFamily="66" charset="0"/>
+              </a:rPr>
+              <a:t>3</a:t>
+            </a:r>
+            <a:r>
+              <a:rPr lang="en-US" sz="4000" baseline="30000" dirty="0">
+                <a:solidFill>
+                  <a:srgbClr val="0000FF"/>
+                </a:solidFill>
+                <a:latin typeface="Comic Sans MS" pitchFamily="66" charset="0"/>
+              </a:rPr>
+              <a:t>n</a:t>
+            </a:r>
+            <a:r>
+              <a:rPr lang="en-US" sz="4000" dirty="0">
+                <a:latin typeface="Comic Sans MS" pitchFamily="66" charset="0"/>
+              </a:rPr>
+              <a:t> ?</a:t>
+            </a:r>
+          </a:p>
+          <a:p>
+            <a:pPr algn="l"/>
+            <a:endParaRPr lang="en-US" sz="4000" b="1" dirty="0" smtClean="0">
+              <a:latin typeface="Comic Sans MS" pitchFamily="66" charset="0"/>
+            </a:endParaRPr>
+          </a:p>
+          <a:p>
+            <a:pPr algn="l"/>
+            <a:r>
               <a:rPr lang="en-US" sz="4000" dirty="0" smtClean="0">
                 <a:latin typeface="Comic Sans MS" pitchFamily="66" charset="0"/>
               </a:rPr>
-              <a:t>big Oh, little oh, and Theta</a:t>
-            </a:r>
-            <a:endParaRPr lang="en-US" sz="4000" dirty="0" smtClean="0">
-              <a:latin typeface="Comic Sans MS" pitchFamily="66" charset="0"/>
-            </a:endParaRPr>
+              <a:t>2. </a:t>
+            </a:r>
+            <a:r>
+              <a:rPr lang="en-US" sz="4000" dirty="0" smtClean="0">
+                <a:latin typeface="Comic Sans MS" pitchFamily="66" charset="0"/>
+              </a:rPr>
+              <a:t>Indicate which implications</a:t>
+            </a:r>
+          </a:p>
+          <a:p>
+            <a:pPr algn="l">
+              <a:lnSpc>
+                <a:spcPct val="120000"/>
+              </a:lnSpc>
+            </a:pPr>
+            <a:r>
+              <a:rPr lang="en-US" sz="4000" dirty="0" smtClean="0">
+                <a:latin typeface="Comic Sans MS" pitchFamily="66" charset="0"/>
+              </a:rPr>
+              <a:t>hold among asymptotic equality (~),</a:t>
+            </a:r>
+          </a:p>
+          <a:p>
+            <a:pPr algn="l">
+              <a:lnSpc>
+                <a:spcPct val="120000"/>
+              </a:lnSpc>
+            </a:pPr>
+            <a:r>
+              <a:rPr lang="en-US" sz="4000" dirty="0" smtClean="0">
+                <a:latin typeface="Comic Sans MS" pitchFamily="66" charset="0"/>
+              </a:rPr>
+              <a:t>big Oh, little oh, and </a:t>
+            </a:r>
+            <a:r>
+              <a:rPr lang="en-US" sz="4000" dirty="0" smtClean="0">
+                <a:latin typeface="Comic Sans MS" pitchFamily="66" charset="0"/>
+              </a:rPr>
+              <a:t>Theta.</a:t>
+            </a:r>
           </a:p>
         </p:txBody>
       </p:sp>
